--- a/Samsung_AI_Challenge_Data_Timmy.pptx
+++ b/Samsung_AI_Challenge_Data_Timmy.pptx
@@ -1,6 +1,6 @@
 
 <file path=ppt/presentation.xml><?xml version="1.0" encoding="utf-8"?>
-<p:presentation xmlns:a="http://schemas.openxmlformats.org/drawingml/2006/main" xmlns:r="http://schemas.openxmlformats.org/officeDocument/2006/relationships" xmlns:p="http://schemas.openxmlformats.org/presentationml/2006/main" embedTrueTypeFonts="1" saveSubsetFonts="1">
+<p:presentation xmlns:a="http://schemas.openxmlformats.org/drawingml/2006/main" xmlns:r="http://schemas.openxmlformats.org/officeDocument/2006/relationships" xmlns:p="http://schemas.openxmlformats.org/presentationml/2006/main" showSpecialPlsOnTitleSld="0" embedTrueTypeFonts="1" saveSubsetFonts="1">
   <p:sldMasterIdLst>
     <p:sldMasterId id="2147483648" r:id="rId1"/>
   </p:sldMasterIdLst>
@@ -1820,7 +1820,7 @@
           <a:bodyPr/>
           <a:lstStyle/>
           <a:p>
-            <a:fld id="{3A302466-FE76-40E8-BE5D-598A609EDD2B}" type="datetimeFigureOut">
+            <a:fld id="{ED17B461-78D4-4680-8FA2-AB80AA87262E}" type="datetime1">
               <a:rPr lang="ko-KR" altLang="en-US" smtClean="0"/>
               <a:t>2018-09-08</a:t>
             </a:fld>
@@ -1990,7 +1990,7 @@
           <a:bodyPr/>
           <a:lstStyle/>
           <a:p>
-            <a:fld id="{3A302466-FE76-40E8-BE5D-598A609EDD2B}" type="datetimeFigureOut">
+            <a:fld id="{E3B7FAC7-294B-49CD-BE2B-327BCD4E4C89}" type="datetime1">
               <a:rPr lang="ko-KR" altLang="en-US" smtClean="0"/>
               <a:t>2018-09-08</a:t>
             </a:fld>
@@ -2170,7 +2170,7 @@
           <a:bodyPr/>
           <a:lstStyle/>
           <a:p>
-            <a:fld id="{3A302466-FE76-40E8-BE5D-598A609EDD2B}" type="datetimeFigureOut">
+            <a:fld id="{509025D9-2734-4F95-8D60-0731A128B704}" type="datetime1">
               <a:rPr lang="ko-KR" altLang="en-US" smtClean="0"/>
               <a:t>2018-09-08</a:t>
             </a:fld>
@@ -2340,7 +2340,7 @@
           <a:bodyPr/>
           <a:lstStyle/>
           <a:p>
-            <a:fld id="{3A302466-FE76-40E8-BE5D-598A609EDD2B}" type="datetimeFigureOut">
+            <a:fld id="{C6BE4848-ABE4-476A-AF5A-52B7F685EFFE}" type="datetime1">
               <a:rPr lang="ko-KR" altLang="en-US" smtClean="0"/>
               <a:t>2018-09-08</a:t>
             </a:fld>
@@ -2586,7 +2586,7 @@
           <a:bodyPr/>
           <a:lstStyle/>
           <a:p>
-            <a:fld id="{3A302466-FE76-40E8-BE5D-598A609EDD2B}" type="datetimeFigureOut">
+            <a:fld id="{C8F63DF9-CF97-4FA3-A3AC-6E5A5FD9B80C}" type="datetime1">
               <a:rPr lang="ko-KR" altLang="en-US" smtClean="0"/>
               <a:t>2018-09-08</a:t>
             </a:fld>
@@ -2874,7 +2874,7 @@
           <a:bodyPr/>
           <a:lstStyle/>
           <a:p>
-            <a:fld id="{3A302466-FE76-40E8-BE5D-598A609EDD2B}" type="datetimeFigureOut">
+            <a:fld id="{2ABFCAE3-E4AC-474C-AA12-DCD62CEDA877}" type="datetime1">
               <a:rPr lang="ko-KR" altLang="en-US" smtClean="0"/>
               <a:t>2018-09-08</a:t>
             </a:fld>
@@ -3296,7 +3296,7 @@
           <a:bodyPr/>
           <a:lstStyle/>
           <a:p>
-            <a:fld id="{3A302466-FE76-40E8-BE5D-598A609EDD2B}" type="datetimeFigureOut">
+            <a:fld id="{A722DC8A-2E47-4E69-91BF-2EF2AE2B0E3D}" type="datetime1">
               <a:rPr lang="ko-KR" altLang="en-US" smtClean="0"/>
               <a:t>2018-09-08</a:t>
             </a:fld>
@@ -3414,7 +3414,7 @@
           <a:bodyPr/>
           <a:lstStyle/>
           <a:p>
-            <a:fld id="{3A302466-FE76-40E8-BE5D-598A609EDD2B}" type="datetimeFigureOut">
+            <a:fld id="{F3422056-A568-4610-8F53-0ABE798EF5CF}" type="datetime1">
               <a:rPr lang="ko-KR" altLang="en-US" smtClean="0"/>
               <a:t>2018-09-08</a:t>
             </a:fld>
@@ -3509,7 +3509,7 @@
           <a:bodyPr/>
           <a:lstStyle/>
           <a:p>
-            <a:fld id="{3A302466-FE76-40E8-BE5D-598A609EDD2B}" type="datetimeFigureOut">
+            <a:fld id="{7E4882E8-34A8-4DCB-904E-9877F17F5CAA}" type="datetime1">
               <a:rPr lang="ko-KR" altLang="en-US" smtClean="0"/>
               <a:t>2018-09-08</a:t>
             </a:fld>
@@ -3786,7 +3786,7 @@
           <a:bodyPr/>
           <a:lstStyle/>
           <a:p>
-            <a:fld id="{3A302466-FE76-40E8-BE5D-598A609EDD2B}" type="datetimeFigureOut">
+            <a:fld id="{347CE557-DF68-4CAB-9DA7-B2E14F51B3E9}" type="datetime1">
               <a:rPr lang="ko-KR" altLang="en-US" smtClean="0"/>
               <a:t>2018-09-08</a:t>
             </a:fld>
@@ -4039,7 +4039,7 @@
           <a:bodyPr/>
           <a:lstStyle/>
           <a:p>
-            <a:fld id="{3A302466-FE76-40E8-BE5D-598A609EDD2B}" type="datetimeFigureOut">
+            <a:fld id="{EE32BEFC-0F30-4F7B-BD19-A992E3F4DFEA}" type="datetime1">
               <a:rPr lang="ko-KR" altLang="en-US" smtClean="0"/>
               <a:t>2018-09-08</a:t>
             </a:fld>
@@ -4252,7 +4252,7 @@
             </a:lvl1pPr>
           </a:lstStyle>
           <a:p>
-            <a:fld id="{3A302466-FE76-40E8-BE5D-598A609EDD2B}" type="datetimeFigureOut">
+            <a:fld id="{2473C18C-D43D-4CA5-B457-DE9AC83D5DDF}" type="datetime1">
               <a:rPr lang="ko-KR" altLang="en-US" smtClean="0"/>
               <a:t>2018-09-08</a:t>
             </a:fld>
@@ -4359,6 +4359,7 @@
     <p:sldLayoutId id="2147483658" r:id="rId10"/>
     <p:sldLayoutId id="2147483659" r:id="rId11"/>
   </p:sldLayoutIdLst>
+  <p:hf hdr="0" ftr="0" dt="0"/>
   <p:txStyles>
     <p:titleStyle>
       <a:lvl1pPr algn="ctr" defTabSz="914400" rtl="0" eaLnBrk="1" latinLnBrk="1" hangingPunct="1">
@@ -4906,6 +4907,29 @@
           </a:p>
         </p:txBody>
       </p:sp>
+      <p:sp>
+        <p:nvSpPr>
+          <p:cNvPr id="2" name="슬라이드 번호 개체 틀 1"/>
+          <p:cNvSpPr>
+            <a:spLocks noGrp="1"/>
+          </p:cNvSpPr>
+          <p:nvPr>
+            <p:ph type="sldNum" sz="quarter" idx="12"/>
+          </p:nvPr>
+        </p:nvSpPr>
+        <p:spPr/>
+        <p:txBody>
+          <a:bodyPr/>
+          <a:lstStyle/>
+          <a:p>
+            <a:fld id="{72CEB9E3-907B-4C9E-8669-48B8CFAF986F}" type="slidenum">
+              <a:rPr lang="ko-KR" altLang="en-US" smtClean="0"/>
+              <a:t>1</a:t>
+            </a:fld>
+            <a:endParaRPr lang="ko-KR" altLang="en-US"/>
+          </a:p>
+        </p:txBody>
+      </p:sp>
     </p:spTree>
     <p:extLst>
       <p:ext uri="{BB962C8B-B14F-4D97-AF65-F5344CB8AC3E}">
@@ -7973,6 +7997,67 @@
           </a:p>
         </p:txBody>
       </p:sp>
+      <p:cxnSp>
+        <p:nvCxnSpPr>
+          <p:cNvPr id="45" name="직선 화살표 연결선 44"/>
+          <p:cNvCxnSpPr/>
+          <p:nvPr/>
+        </p:nvCxnSpPr>
+        <p:spPr>
+          <a:xfrm>
+            <a:off x="4716016" y="1844840"/>
+            <a:ext cx="1422736" cy="12252"/>
+          </a:xfrm>
+          <a:prstGeom prst="straightConnector1">
+            <a:avLst/>
+          </a:prstGeom>
+          <a:ln>
+            <a:solidFill>
+              <a:schemeClr val="dk1">
+                <a:alpha val="25000"/>
+              </a:schemeClr>
+            </a:solidFill>
+            <a:tailEnd type="triangle"/>
+          </a:ln>
+        </p:spPr>
+        <p:style>
+          <a:lnRef idx="3">
+            <a:schemeClr val="dk1"/>
+          </a:lnRef>
+          <a:fillRef idx="0">
+            <a:schemeClr val="dk1"/>
+          </a:fillRef>
+          <a:effectRef idx="2">
+            <a:schemeClr val="dk1"/>
+          </a:effectRef>
+          <a:fontRef idx="minor">
+            <a:schemeClr val="tx1"/>
+          </a:fontRef>
+        </p:style>
+      </p:cxnSp>
+      <p:sp>
+        <p:nvSpPr>
+          <p:cNvPr id="2" name="슬라이드 번호 개체 틀 1"/>
+          <p:cNvSpPr>
+            <a:spLocks noGrp="1"/>
+          </p:cNvSpPr>
+          <p:nvPr>
+            <p:ph type="sldNum" sz="quarter" idx="12"/>
+          </p:nvPr>
+        </p:nvSpPr>
+        <p:spPr/>
+        <p:txBody>
+          <a:bodyPr/>
+          <a:lstStyle/>
+          <a:p>
+            <a:fld id="{72CEB9E3-907B-4C9E-8669-48B8CFAF986F}" type="slidenum">
+              <a:rPr lang="ko-KR" altLang="en-US" smtClean="0"/>
+              <a:t>10</a:t>
+            </a:fld>
+            <a:endParaRPr lang="ko-KR" altLang="en-US"/>
+          </a:p>
+        </p:txBody>
+      </p:sp>
     </p:spTree>
     <p:extLst>
       <p:ext uri="{BB962C8B-B14F-4D97-AF65-F5344CB8AC3E}">
@@ -9367,9 +9452,7 @@
           </a:prstGeom>
           <a:ln>
             <a:solidFill>
-              <a:schemeClr val="dk1">
-                <a:alpha val="25000"/>
-              </a:schemeClr>
+              <a:schemeClr val="dk1"/>
             </a:solidFill>
             <a:tailEnd type="triangle"/>
           </a:ln>
@@ -9396,7 +9479,11 @@
             <a:graphicFrameLocks noGrp="1"/>
           </p:cNvGraphicFramePr>
           <p:nvPr>
-            <p:extLst/>
+            <p:extLst>
+              <p:ext uri="{D42A27DB-BD31-4B8C-83A1-F6EECF244321}">
+                <p14:modId xmlns:p14="http://schemas.microsoft.com/office/powerpoint/2010/main" val="2341183434"/>
+              </p:ext>
+            </p:extLst>
           </p:nvPr>
         </p:nvGraphicFramePr>
         <p:xfrm>
@@ -9503,7 +9590,6 @@
                       <a:schemeClr val="tx2">
                         <a:lumMod val="40000"/>
                         <a:lumOff val="60000"/>
-                        <a:alpha val="25000"/>
                       </a:schemeClr>
                     </a:solidFill>
                   </a:tcPr>
@@ -9522,7 +9608,6 @@
                       <a:schemeClr val="tx2">
                         <a:lumMod val="40000"/>
                         <a:lumOff val="60000"/>
-                        <a:alpha val="25000"/>
                       </a:schemeClr>
                     </a:solidFill>
                   </a:tcPr>
@@ -9541,7 +9626,6 @@
                       <a:schemeClr val="tx2">
                         <a:lumMod val="40000"/>
                         <a:lumOff val="60000"/>
-                        <a:alpha val="25000"/>
                       </a:schemeClr>
                     </a:solidFill>
                   </a:tcPr>
@@ -9560,7 +9644,6 @@
                       <a:schemeClr val="tx2">
                         <a:lumMod val="40000"/>
                         <a:lumOff val="60000"/>
-                        <a:alpha val="25000"/>
                       </a:schemeClr>
                     </a:solidFill>
                   </a:tcPr>
@@ -9579,7 +9662,6 @@
                       <a:schemeClr val="tx2">
                         <a:lumMod val="40000"/>
                         <a:lumOff val="60000"/>
-                        <a:alpha val="25000"/>
                       </a:schemeClr>
                     </a:solidFill>
                   </a:tcPr>
@@ -9711,7 +9793,6 @@
                       <a:schemeClr val="tx2">
                         <a:lumMod val="40000"/>
                         <a:lumOff val="60000"/>
-                        <a:alpha val="25000"/>
                       </a:schemeClr>
                     </a:solidFill>
                   </a:tcPr>
@@ -9730,7 +9811,6 @@
                       <a:schemeClr val="tx2">
                         <a:lumMod val="40000"/>
                         <a:lumOff val="60000"/>
-                        <a:alpha val="25000"/>
                       </a:schemeClr>
                     </a:solidFill>
                   </a:tcPr>
@@ -9749,7 +9829,6 @@
                       <a:schemeClr val="tx2">
                         <a:lumMod val="40000"/>
                         <a:lumOff val="60000"/>
-                        <a:alpha val="25000"/>
                       </a:schemeClr>
                     </a:solidFill>
                   </a:tcPr>
@@ -11015,6 +11094,62 @@
           </a:p>
         </p:txBody>
       </p:sp>
+      <p:cxnSp>
+        <p:nvCxnSpPr>
+          <p:cNvPr id="45" name="직선 화살표 연결선 44"/>
+          <p:cNvCxnSpPr/>
+          <p:nvPr/>
+        </p:nvCxnSpPr>
+        <p:spPr>
+          <a:xfrm>
+            <a:off x="4716016" y="1844840"/>
+            <a:ext cx="1422736" cy="12252"/>
+          </a:xfrm>
+          <a:prstGeom prst="straightConnector1">
+            <a:avLst/>
+          </a:prstGeom>
+          <a:ln>
+            <a:tailEnd type="triangle"/>
+          </a:ln>
+        </p:spPr>
+        <p:style>
+          <a:lnRef idx="3">
+            <a:schemeClr val="dk1"/>
+          </a:lnRef>
+          <a:fillRef idx="0">
+            <a:schemeClr val="dk1"/>
+          </a:fillRef>
+          <a:effectRef idx="2">
+            <a:schemeClr val="dk1"/>
+          </a:effectRef>
+          <a:fontRef idx="minor">
+            <a:schemeClr val="tx1"/>
+          </a:fontRef>
+        </p:style>
+      </p:cxnSp>
+      <p:sp>
+        <p:nvSpPr>
+          <p:cNvPr id="2" name="슬라이드 번호 개체 틀 1"/>
+          <p:cNvSpPr>
+            <a:spLocks noGrp="1"/>
+          </p:cNvSpPr>
+          <p:nvPr>
+            <p:ph type="sldNum" sz="quarter" idx="12"/>
+          </p:nvPr>
+        </p:nvSpPr>
+        <p:spPr/>
+        <p:txBody>
+          <a:bodyPr/>
+          <a:lstStyle/>
+          <a:p>
+            <a:fld id="{72CEB9E3-907B-4C9E-8669-48B8CFAF986F}" type="slidenum">
+              <a:rPr lang="ko-KR" altLang="en-US" smtClean="0"/>
+              <a:t>11</a:t>
+            </a:fld>
+            <a:endParaRPr lang="ko-KR" altLang="en-US"/>
+          </a:p>
+        </p:txBody>
+      </p:sp>
     </p:spTree>
     <p:extLst>
       <p:ext uri="{BB962C8B-B14F-4D97-AF65-F5344CB8AC3E}">
@@ -11272,13 +11407,13 @@
           <p:nvPr>
             <p:extLst>
               <p:ext uri="{D42A27DB-BD31-4B8C-83A1-F6EECF244321}">
-                <p14:modId xmlns:p14="http://schemas.microsoft.com/office/powerpoint/2010/main" val="3242448286"/>
+                <p14:modId xmlns:p14="http://schemas.microsoft.com/office/powerpoint/2010/main" val="649085891"/>
               </p:ext>
             </p:extLst>
           </p:nvPr>
         </p:nvGraphicFramePr>
         <p:xfrm>
-          <a:off x="1139700" y="5157192"/>
+          <a:off x="1139700" y="5229200"/>
           <a:ext cx="6240613" cy="1570596"/>
         </p:xfrm>
         <a:graphic>
@@ -11683,7 +11818,7 @@
             <p:spPr>
               <a:xfrm>
                 <a:off x="974011" y="1437730"/>
-                <a:ext cx="7525964" cy="3693191"/>
+                <a:ext cx="7525964" cy="3754746"/>
               </a:xfrm>
               <a:prstGeom prst="rect">
                 <a:avLst/>
@@ -11696,12 +11831,10 @@
               </a:bodyPr>
               <a:lstStyle/>
               <a:p>
-                <a:pPr marL="285750" indent="-285750">
+                <a:pPr>
                   <a:lnSpc>
                     <a:spcPct val="150000"/>
                   </a:lnSpc>
-                  <a:buFont typeface="Arial" panose="020B0604020202020204" pitchFamily="34" charset="0"/>
-                  <a:buChar char="•"/>
                 </a:pPr>
                 <a:r>
                   <a:rPr lang="en-US" altLang="ko-KR" sz="1400" b="1" dirty="0" smtClean="0">
@@ -11954,7 +12087,41 @@
                     <a:latin typeface="나눔바른고딕 UltraLight" panose="020B0603020101020101" pitchFamily="50" charset="-127"/>
                     <a:ea typeface="나눔바른고딕 UltraLight" panose="020B0603020101020101" pitchFamily="50" charset="-127"/>
                   </a:rPr>
-                  <a:t>Loss : Mean Squared Error on Continuous </a:t>
+                  <a:t>Loss : </a:t>
+                </a:r>
+                <a:r>
+                  <a:rPr lang="en-US" altLang="ko-KR" sz="1400" dirty="0" smtClean="0">
+                    <a:ln>
+                      <a:solidFill>
+                        <a:schemeClr val="tx1">
+                          <a:alpha val="30000"/>
+                        </a:schemeClr>
+                      </a:solidFill>
+                    </a:ln>
+                    <a:solidFill>
+                      <a:srgbClr val="272123"/>
+                    </a:solidFill>
+                    <a:latin typeface="나눔바른고딕 UltraLight" panose="020B0603020101020101" pitchFamily="50" charset="-127"/>
+                    <a:ea typeface="나눔바른고딕 UltraLight" panose="020B0603020101020101" pitchFamily="50" charset="-127"/>
+                  </a:rPr>
+                  <a:t>Average 3 Path MSE </a:t>
+                </a:r>
+                <a:r>
+                  <a:rPr lang="en-US" altLang="ko-KR" sz="1400" dirty="0">
+                    <a:ln>
+                      <a:solidFill>
+                        <a:schemeClr val="tx1">
+                          <a:alpha val="30000"/>
+                        </a:schemeClr>
+                      </a:solidFill>
+                    </a:ln>
+                    <a:solidFill>
+                      <a:srgbClr val="272123"/>
+                    </a:solidFill>
+                    <a:latin typeface="나눔바른고딕 UltraLight" panose="020B0603020101020101" pitchFamily="50" charset="-127"/>
+                    <a:ea typeface="나눔바른고딕 UltraLight" panose="020B0603020101020101" pitchFamily="50" charset="-127"/>
+                  </a:rPr>
+                  <a:t>on Continuous </a:t>
                 </a:r>
                 <a:r>
                   <a:rPr lang="en-US" altLang="ko-KR" sz="1400" dirty="0" smtClean="0">
@@ -13000,10 +13167,6 @@
                 </a:endParaRPr>
               </a:p>
               <a:p>
-                <a:pPr marL="285750" indent="-285750">
-                  <a:buFont typeface="Arial" panose="020B0604020202020204" pitchFamily="34" charset="0"/>
-                  <a:buChar char="•"/>
-                </a:pPr>
                 <a:r>
                   <a:rPr lang="en-US" altLang="ko-KR" sz="1600" dirty="0" smtClean="0">
                     <a:ln>
@@ -13019,41 +13182,7 @@
                     <a:latin typeface="나눔바른고딕 UltraLight" panose="020B0603020101020101" pitchFamily="50" charset="-127"/>
                     <a:ea typeface="나눔바른고딕 UltraLight" panose="020B0603020101020101" pitchFamily="50" charset="-127"/>
                   </a:rPr>
-                  <a:t>3 different validation</a:t>
-                </a:r>
-                <a:r>
-                  <a:rPr lang="en-US" altLang="ko-KR" sz="1600" dirty="0" smtClean="0">
-                    <a:ln>
-                      <a:solidFill>
-                        <a:schemeClr val="tx1">
-                          <a:alpha val="30000"/>
-                        </a:schemeClr>
-                      </a:solidFill>
-                    </a:ln>
-                    <a:solidFill>
-                      <a:srgbClr val="272123"/>
-                    </a:solidFill>
-                    <a:latin typeface="나눔바른고딕 UltraLight" panose="020B0603020101020101" pitchFamily="50" charset="-127"/>
-                    <a:ea typeface="나눔바른고딕 UltraLight" panose="020B0603020101020101" pitchFamily="50" charset="-127"/>
-                  </a:rPr>
-                  <a:t>-</a:t>
-                </a:r>
-                <a:r>
-                  <a:rPr lang="en-US" altLang="ko-KR" sz="1600" dirty="0" smtClean="0">
-                    <a:ln>
-                      <a:solidFill>
-                        <a:schemeClr val="tx1">
-                          <a:alpha val="30000"/>
-                        </a:schemeClr>
-                      </a:solidFill>
-                    </a:ln>
-                    <a:solidFill>
-                      <a:srgbClr val="272123"/>
-                    </a:solidFill>
-                    <a:latin typeface="나눔바른고딕 UltraLight" panose="020B0603020101020101" pitchFamily="50" charset="-127"/>
-                    <a:ea typeface="나눔바른고딕 UltraLight" panose="020B0603020101020101" pitchFamily="50" charset="-127"/>
-                  </a:rPr>
-                  <a:t>data split Models </a:t>
+                  <a:t>3 different validation-data split Models </a:t>
                 </a:r>
               </a:p>
               <a:p>
@@ -13123,12 +13252,8 @@
                 </a:endParaRPr>
               </a:p>
               <a:p>
-                <a:pPr marL="285750" indent="-285750">
-                  <a:buFont typeface="Arial" panose="020B0604020202020204" pitchFamily="34" charset="0"/>
-                  <a:buChar char="•"/>
-                </a:pPr>
                 <a:r>
-                  <a:rPr lang="en-US" altLang="ko-KR" sz="1400" b="1" dirty="0" smtClean="0">
+                  <a:rPr lang="en-US" altLang="ko-KR" b="1" dirty="0" smtClean="0">
                     <a:ln>
                       <a:solidFill>
                         <a:schemeClr val="tx1">
@@ -13174,7 +13299,7 @@
             <p:spPr>
               <a:xfrm>
                 <a:off x="974011" y="1437730"/>
-                <a:ext cx="7525964" cy="3693191"/>
+                <a:ext cx="7525964" cy="3754746"/>
               </a:xfrm>
               <a:prstGeom prst="rect">
                 <a:avLst/>
@@ -13546,6 +13671,29 @@
           </p:txBody>
         </p:sp>
       </p:grpSp>
+      <p:sp>
+        <p:nvSpPr>
+          <p:cNvPr id="2" name="슬라이드 번호 개체 틀 1"/>
+          <p:cNvSpPr>
+            <a:spLocks noGrp="1"/>
+          </p:cNvSpPr>
+          <p:nvPr>
+            <p:ph type="sldNum" sz="quarter" idx="12"/>
+          </p:nvPr>
+        </p:nvSpPr>
+        <p:spPr/>
+        <p:txBody>
+          <a:bodyPr/>
+          <a:lstStyle/>
+          <a:p>
+            <a:fld id="{72CEB9E3-907B-4C9E-8669-48B8CFAF986F}" type="slidenum">
+              <a:rPr lang="ko-KR" altLang="en-US" smtClean="0"/>
+              <a:t>12</a:t>
+            </a:fld>
+            <a:endParaRPr lang="ko-KR" altLang="en-US"/>
+          </a:p>
+        </p:txBody>
+      </p:sp>
     </p:spTree>
     <p:extLst>
       <p:ext uri="{BB962C8B-B14F-4D97-AF65-F5344CB8AC3E}">
@@ -13645,6 +13793,29 @@
               </a:rPr>
               <a:t>Thank you</a:t>
             </a:r>
+          </a:p>
+        </p:txBody>
+      </p:sp>
+      <p:sp>
+        <p:nvSpPr>
+          <p:cNvPr id="2" name="슬라이드 번호 개체 틀 1"/>
+          <p:cNvSpPr>
+            <a:spLocks noGrp="1"/>
+          </p:cNvSpPr>
+          <p:nvPr>
+            <p:ph type="sldNum" sz="quarter" idx="12"/>
+          </p:nvPr>
+        </p:nvSpPr>
+        <p:spPr/>
+        <p:txBody>
+          <a:bodyPr/>
+          <a:lstStyle/>
+          <a:p>
+            <a:fld id="{72CEB9E3-907B-4C9E-8669-48B8CFAF986F}" type="slidenum">
+              <a:rPr lang="ko-KR" altLang="en-US" smtClean="0"/>
+              <a:t>13</a:t>
+            </a:fld>
+            <a:endParaRPr lang="ko-KR" altLang="en-US"/>
           </a:p>
         </p:txBody>
       </p:sp>
@@ -14083,6 +14254,29 @@
               <a:latin typeface="나눔바른고딕 UltraLight" panose="020B0603020101020101" pitchFamily="50" charset="-127"/>
               <a:ea typeface="나눔바른고딕 UltraLight" panose="020B0603020101020101" pitchFamily="50" charset="-127"/>
             </a:endParaRPr>
+          </a:p>
+        </p:txBody>
+      </p:sp>
+      <p:sp>
+        <p:nvSpPr>
+          <p:cNvPr id="2" name="슬라이드 번호 개체 틀 1"/>
+          <p:cNvSpPr>
+            <a:spLocks noGrp="1"/>
+          </p:cNvSpPr>
+          <p:nvPr>
+            <p:ph type="sldNum" sz="quarter" idx="12"/>
+          </p:nvPr>
+        </p:nvSpPr>
+        <p:spPr/>
+        <p:txBody>
+          <a:bodyPr/>
+          <a:lstStyle/>
+          <a:p>
+            <a:fld id="{72CEB9E3-907B-4C9E-8669-48B8CFAF986F}" type="slidenum">
+              <a:rPr lang="ko-KR" altLang="en-US" smtClean="0"/>
+              <a:t>2</a:t>
+            </a:fld>
+            <a:endParaRPr lang="ko-KR" altLang="en-US"/>
           </a:p>
         </p:txBody>
       </p:sp>
@@ -17481,6 +17675,29 @@
           </a:p>
         </p:txBody>
       </p:sp>
+      <p:sp>
+        <p:nvSpPr>
+          <p:cNvPr id="4" name="슬라이드 번호 개체 틀 3"/>
+          <p:cNvSpPr>
+            <a:spLocks noGrp="1"/>
+          </p:cNvSpPr>
+          <p:nvPr>
+            <p:ph type="sldNum" sz="quarter" idx="12"/>
+          </p:nvPr>
+        </p:nvSpPr>
+        <p:spPr/>
+        <p:txBody>
+          <a:bodyPr/>
+          <a:lstStyle/>
+          <a:p>
+            <a:fld id="{72CEB9E3-907B-4C9E-8669-48B8CFAF986F}" type="slidenum">
+              <a:rPr lang="ko-KR" altLang="en-US" smtClean="0"/>
+              <a:t>3</a:t>
+            </a:fld>
+            <a:endParaRPr lang="ko-KR" altLang="en-US"/>
+          </a:p>
+        </p:txBody>
+      </p:sp>
     </p:spTree>
     <p:extLst>
       <p:ext uri="{BB962C8B-B14F-4D97-AF65-F5344CB8AC3E}">
@@ -21767,6 +21984,29 @@
               <a:t>Variables in data</a:t>
             </a:r>
             <a:endParaRPr lang="ko-KR" altLang="en-US" sz="1200" dirty="0"/>
+          </a:p>
+        </p:txBody>
+      </p:sp>
+      <p:sp>
+        <p:nvSpPr>
+          <p:cNvPr id="3" name="슬라이드 번호 개체 틀 2"/>
+          <p:cNvSpPr>
+            <a:spLocks noGrp="1"/>
+          </p:cNvSpPr>
+          <p:nvPr>
+            <p:ph type="sldNum" sz="quarter" idx="12"/>
+          </p:nvPr>
+        </p:nvSpPr>
+        <p:spPr/>
+        <p:txBody>
+          <a:bodyPr/>
+          <a:lstStyle/>
+          <a:p>
+            <a:fld id="{72CEB9E3-907B-4C9E-8669-48B8CFAF986F}" type="slidenum">
+              <a:rPr lang="ko-KR" altLang="en-US" smtClean="0"/>
+              <a:t>4</a:t>
+            </a:fld>
+            <a:endParaRPr lang="ko-KR" altLang="en-US"/>
           </a:p>
         </p:txBody>
       </p:sp>
@@ -23641,6 +23881,29 @@
               </a:rPr>
               <a:t>(30%)</a:t>
             </a:r>
+          </a:p>
+        </p:txBody>
+      </p:sp>
+      <p:sp>
+        <p:nvSpPr>
+          <p:cNvPr id="4" name="슬라이드 번호 개체 틀 3"/>
+          <p:cNvSpPr>
+            <a:spLocks noGrp="1"/>
+          </p:cNvSpPr>
+          <p:nvPr>
+            <p:ph type="sldNum" sz="quarter" idx="12"/>
+          </p:nvPr>
+        </p:nvSpPr>
+        <p:spPr/>
+        <p:txBody>
+          <a:bodyPr/>
+          <a:lstStyle/>
+          <a:p>
+            <a:fld id="{72CEB9E3-907B-4C9E-8669-48B8CFAF986F}" type="slidenum">
+              <a:rPr lang="ko-KR" altLang="en-US" smtClean="0"/>
+              <a:t>5</a:t>
+            </a:fld>
+            <a:endParaRPr lang="ko-KR" altLang="en-US"/>
           </a:p>
         </p:txBody>
       </p:sp>
@@ -24987,6 +25250,29 @@
           </p:txBody>
         </p:sp>
       </p:grpSp>
+      <p:sp>
+        <p:nvSpPr>
+          <p:cNvPr id="3" name="슬라이드 번호 개체 틀 2"/>
+          <p:cNvSpPr>
+            <a:spLocks noGrp="1"/>
+          </p:cNvSpPr>
+          <p:nvPr>
+            <p:ph type="sldNum" sz="quarter" idx="12"/>
+          </p:nvPr>
+        </p:nvSpPr>
+        <p:spPr/>
+        <p:txBody>
+          <a:bodyPr/>
+          <a:lstStyle/>
+          <a:p>
+            <a:fld id="{72CEB9E3-907B-4C9E-8669-48B8CFAF986F}" type="slidenum">
+              <a:rPr lang="ko-KR" altLang="en-US" smtClean="0"/>
+              <a:t>6</a:t>
+            </a:fld>
+            <a:endParaRPr lang="ko-KR" altLang="en-US"/>
+          </a:p>
+        </p:txBody>
+      </p:sp>
     </p:spTree>
     <p:extLst>
       <p:ext uri="{BB962C8B-B14F-4D97-AF65-F5344CB8AC3E}">
@@ -27985,6 +28271,65 @@
           </a:fontRef>
         </p:style>
       </p:cxnSp>
+      <p:cxnSp>
+        <p:nvCxnSpPr>
+          <p:cNvPr id="36" name="직선 화살표 연결선 35"/>
+          <p:cNvCxnSpPr>
+            <a:stCxn id="105" idx="3"/>
+            <a:endCxn id="50" idx="1"/>
+          </p:cNvCxnSpPr>
+          <p:nvPr/>
+        </p:nvCxnSpPr>
+        <p:spPr>
+          <a:xfrm>
+            <a:off x="4716016" y="1844840"/>
+            <a:ext cx="1422736" cy="12252"/>
+          </a:xfrm>
+          <a:prstGeom prst="straightConnector1">
+            <a:avLst/>
+          </a:prstGeom>
+          <a:ln>
+            <a:tailEnd type="triangle"/>
+          </a:ln>
+        </p:spPr>
+        <p:style>
+          <a:lnRef idx="3">
+            <a:schemeClr val="dk1"/>
+          </a:lnRef>
+          <a:fillRef idx="0">
+            <a:schemeClr val="dk1"/>
+          </a:fillRef>
+          <a:effectRef idx="2">
+            <a:schemeClr val="dk1"/>
+          </a:effectRef>
+          <a:fontRef idx="minor">
+            <a:schemeClr val="tx1"/>
+          </a:fontRef>
+        </p:style>
+      </p:cxnSp>
+      <p:sp>
+        <p:nvSpPr>
+          <p:cNvPr id="2" name="슬라이드 번호 개체 틀 1"/>
+          <p:cNvSpPr>
+            <a:spLocks noGrp="1"/>
+          </p:cNvSpPr>
+          <p:nvPr>
+            <p:ph type="sldNum" sz="quarter" idx="12"/>
+          </p:nvPr>
+        </p:nvSpPr>
+        <p:spPr/>
+        <p:txBody>
+          <a:bodyPr/>
+          <a:lstStyle/>
+          <a:p>
+            <a:fld id="{72CEB9E3-907B-4C9E-8669-48B8CFAF986F}" type="slidenum">
+              <a:rPr lang="ko-KR" altLang="en-US" smtClean="0"/>
+              <a:t>7</a:t>
+            </a:fld>
+            <a:endParaRPr lang="ko-KR" altLang="en-US"/>
+          </a:p>
+        </p:txBody>
+      </p:sp>
     </p:spTree>
     <p:extLst>
       <p:ext uri="{BB962C8B-B14F-4D97-AF65-F5344CB8AC3E}">
@@ -31028,6 +31373,67 @@
           </a:p>
         </p:txBody>
       </p:sp>
+      <p:cxnSp>
+        <p:nvCxnSpPr>
+          <p:cNvPr id="45" name="직선 화살표 연결선 44"/>
+          <p:cNvCxnSpPr/>
+          <p:nvPr/>
+        </p:nvCxnSpPr>
+        <p:spPr>
+          <a:xfrm>
+            <a:off x="4716016" y="1844840"/>
+            <a:ext cx="1422736" cy="12252"/>
+          </a:xfrm>
+          <a:prstGeom prst="straightConnector1">
+            <a:avLst/>
+          </a:prstGeom>
+          <a:ln>
+            <a:solidFill>
+              <a:schemeClr val="dk1">
+                <a:alpha val="25000"/>
+              </a:schemeClr>
+            </a:solidFill>
+            <a:tailEnd type="triangle"/>
+          </a:ln>
+        </p:spPr>
+        <p:style>
+          <a:lnRef idx="3">
+            <a:schemeClr val="dk1"/>
+          </a:lnRef>
+          <a:fillRef idx="0">
+            <a:schemeClr val="dk1"/>
+          </a:fillRef>
+          <a:effectRef idx="2">
+            <a:schemeClr val="dk1"/>
+          </a:effectRef>
+          <a:fontRef idx="minor">
+            <a:schemeClr val="tx1"/>
+          </a:fontRef>
+        </p:style>
+      </p:cxnSp>
+      <p:sp>
+        <p:nvSpPr>
+          <p:cNvPr id="2" name="슬라이드 번호 개체 틀 1"/>
+          <p:cNvSpPr>
+            <a:spLocks noGrp="1"/>
+          </p:cNvSpPr>
+          <p:nvPr>
+            <p:ph type="sldNum" sz="quarter" idx="12"/>
+          </p:nvPr>
+        </p:nvSpPr>
+        <p:spPr/>
+        <p:txBody>
+          <a:bodyPr/>
+          <a:lstStyle/>
+          <a:p>
+            <a:fld id="{72CEB9E3-907B-4C9E-8669-48B8CFAF986F}" type="slidenum">
+              <a:rPr lang="ko-KR" altLang="en-US" smtClean="0"/>
+              <a:t>8</a:t>
+            </a:fld>
+            <a:endParaRPr lang="ko-KR" altLang="en-US"/>
+          </a:p>
+        </p:txBody>
+      </p:sp>
     </p:spTree>
     <p:extLst>
       <p:ext uri="{BB962C8B-B14F-4D97-AF65-F5344CB8AC3E}">
@@ -34089,6 +34495,67 @@
               <a:t>Layer</a:t>
             </a:r>
             <a:endParaRPr lang="ko-KR" altLang="en-US" dirty="0"/>
+          </a:p>
+        </p:txBody>
+      </p:sp>
+      <p:cxnSp>
+        <p:nvCxnSpPr>
+          <p:cNvPr id="45" name="직선 화살표 연결선 44"/>
+          <p:cNvCxnSpPr/>
+          <p:nvPr/>
+        </p:nvCxnSpPr>
+        <p:spPr>
+          <a:xfrm>
+            <a:off x="4716016" y="1844840"/>
+            <a:ext cx="1422736" cy="12252"/>
+          </a:xfrm>
+          <a:prstGeom prst="straightConnector1">
+            <a:avLst/>
+          </a:prstGeom>
+          <a:ln>
+            <a:solidFill>
+              <a:schemeClr val="dk1">
+                <a:alpha val="25000"/>
+              </a:schemeClr>
+            </a:solidFill>
+            <a:tailEnd type="triangle"/>
+          </a:ln>
+        </p:spPr>
+        <p:style>
+          <a:lnRef idx="3">
+            <a:schemeClr val="dk1"/>
+          </a:lnRef>
+          <a:fillRef idx="0">
+            <a:schemeClr val="dk1"/>
+          </a:fillRef>
+          <a:effectRef idx="2">
+            <a:schemeClr val="dk1"/>
+          </a:effectRef>
+          <a:fontRef idx="minor">
+            <a:schemeClr val="tx1"/>
+          </a:fontRef>
+        </p:style>
+      </p:cxnSp>
+      <p:sp>
+        <p:nvSpPr>
+          <p:cNvPr id="2" name="슬라이드 번호 개체 틀 1"/>
+          <p:cNvSpPr>
+            <a:spLocks noGrp="1"/>
+          </p:cNvSpPr>
+          <p:nvPr>
+            <p:ph type="sldNum" sz="quarter" idx="12"/>
+          </p:nvPr>
+        </p:nvSpPr>
+        <p:spPr/>
+        <p:txBody>
+          <a:bodyPr/>
+          <a:lstStyle/>
+          <a:p>
+            <a:fld id="{72CEB9E3-907B-4C9E-8669-48B8CFAF986F}" type="slidenum">
+              <a:rPr lang="ko-KR" altLang="en-US" smtClean="0"/>
+              <a:t>9</a:t>
+            </a:fld>
+            <a:endParaRPr lang="ko-KR" altLang="en-US"/>
           </a:p>
         </p:txBody>
       </p:sp>
